--- a/src/assets/img/Presentation1.pptx
+++ b/src/assets/img/Presentation1.pptx
@@ -5,12 +5,13 @@
     <p:sldMasterId id="2147483648" r:id="rId1"/>
   </p:sldMasterIdLst>
   <p:notesMasterIdLst>
-    <p:notesMasterId r:id="rId5"/>
+    <p:notesMasterId r:id="rId6"/>
   </p:notesMasterIdLst>
   <p:sldIdLst>
     <p:sldId id="256" r:id="rId2"/>
-    <p:sldId id="257" r:id="rId3"/>
-    <p:sldId id="258" r:id="rId4"/>
+    <p:sldId id="259" r:id="rId3"/>
+    <p:sldId id="257" r:id="rId4"/>
+    <p:sldId id="258" r:id="rId5"/>
   </p:sldIdLst>
   <p:sldSz cx="12192000" cy="6858000"/>
   <p:notesSz cx="6858000" cy="9144000"/>
@@ -199,7 +200,7 @@
           <a:p>
             <a:fld id="{FF55B04E-53E6-BE4F-86C8-C0B8644F6625}" type="datetimeFigureOut">
               <a:rPr lang="es-ES_tradnl" smtClean="0"/>
-              <a:t>3/12/21</a:t>
+              <a:t>15/12/21</a:t>
             </a:fld>
             <a:endParaRPr lang="es-ES_tradnl"/>
           </a:p>
@@ -358,7 +359,7 @@
           <a:p>
             <a:fld id="{99DB4C96-78D9-A74B-A160-A4BC806AE8F3}" type="slidenum">
               <a:rPr lang="es-ES_tradnl" smtClean="0"/>
-              <a:t>‹#›</a:t>
+              <a:t>‹Nº›</a:t>
             </a:fld>
             <a:endParaRPr lang="es-ES_tradnl"/>
           </a:p>
@@ -532,7 +533,7 @@
           <a:p>
             <a:fld id="{BAF93C8F-4893-1149-8105-75E927A792CB}" type="slidenum">
               <a:rPr lang="es-ES_tradnl" smtClean="0"/>
-              <a:t>3</a:t>
+              <a:t>4</a:t>
             </a:fld>
             <a:endParaRPr lang="es-ES_tradnl"/>
           </a:p>
@@ -700,7 +701,7 @@
           <a:p>
             <a:fld id="{D4DD2C3B-69B8-EC46-B83B-0CDD57620492}" type="datetimeFigureOut">
               <a:rPr lang="es-ES_tradnl" smtClean="0"/>
-              <a:t>3/12/21</a:t>
+              <a:t>15/12/21</a:t>
             </a:fld>
             <a:endParaRPr lang="es-ES_tradnl"/>
           </a:p>
@@ -754,7 +755,7 @@
           <a:p>
             <a:fld id="{23350408-C710-E243-9179-00B0E72C8E03}" type="slidenum">
               <a:rPr lang="es-ES_tradnl" smtClean="0"/>
-              <a:t>‹#›</a:t>
+              <a:t>‹Nº›</a:t>
             </a:fld>
             <a:endParaRPr lang="es-ES_tradnl"/>
           </a:p>
@@ -900,7 +901,7 @@
           <a:p>
             <a:fld id="{D4DD2C3B-69B8-EC46-B83B-0CDD57620492}" type="datetimeFigureOut">
               <a:rPr lang="es-ES_tradnl" smtClean="0"/>
-              <a:t>3/12/21</a:t>
+              <a:t>15/12/21</a:t>
             </a:fld>
             <a:endParaRPr lang="es-ES_tradnl"/>
           </a:p>
@@ -954,7 +955,7 @@
           <a:p>
             <a:fld id="{23350408-C710-E243-9179-00B0E72C8E03}" type="slidenum">
               <a:rPr lang="es-ES_tradnl" smtClean="0"/>
-              <a:t>‹#›</a:t>
+              <a:t>‹Nº›</a:t>
             </a:fld>
             <a:endParaRPr lang="es-ES_tradnl"/>
           </a:p>
@@ -1110,7 +1111,7 @@
           <a:p>
             <a:fld id="{D4DD2C3B-69B8-EC46-B83B-0CDD57620492}" type="datetimeFigureOut">
               <a:rPr lang="es-ES_tradnl" smtClean="0"/>
-              <a:t>3/12/21</a:t>
+              <a:t>15/12/21</a:t>
             </a:fld>
             <a:endParaRPr lang="es-ES_tradnl"/>
           </a:p>
@@ -1164,7 +1165,7 @@
           <a:p>
             <a:fld id="{23350408-C710-E243-9179-00B0E72C8E03}" type="slidenum">
               <a:rPr lang="es-ES_tradnl" smtClean="0"/>
-              <a:t>‹#›</a:t>
+              <a:t>‹Nº›</a:t>
             </a:fld>
             <a:endParaRPr lang="es-ES_tradnl"/>
           </a:p>
@@ -1310,7 +1311,7 @@
           <a:p>
             <a:fld id="{D4DD2C3B-69B8-EC46-B83B-0CDD57620492}" type="datetimeFigureOut">
               <a:rPr lang="es-ES_tradnl" smtClean="0"/>
-              <a:t>3/12/21</a:t>
+              <a:t>15/12/21</a:t>
             </a:fld>
             <a:endParaRPr lang="es-ES_tradnl"/>
           </a:p>
@@ -1364,7 +1365,7 @@
           <a:p>
             <a:fld id="{23350408-C710-E243-9179-00B0E72C8E03}" type="slidenum">
               <a:rPr lang="es-ES_tradnl" smtClean="0"/>
-              <a:t>‹#›</a:t>
+              <a:t>‹Nº›</a:t>
             </a:fld>
             <a:endParaRPr lang="es-ES_tradnl"/>
           </a:p>
@@ -1586,7 +1587,7 @@
           <a:p>
             <a:fld id="{D4DD2C3B-69B8-EC46-B83B-0CDD57620492}" type="datetimeFigureOut">
               <a:rPr lang="es-ES_tradnl" smtClean="0"/>
-              <a:t>3/12/21</a:t>
+              <a:t>15/12/21</a:t>
             </a:fld>
             <a:endParaRPr lang="es-ES_tradnl"/>
           </a:p>
@@ -1640,7 +1641,7 @@
           <a:p>
             <a:fld id="{23350408-C710-E243-9179-00B0E72C8E03}" type="slidenum">
               <a:rPr lang="es-ES_tradnl" smtClean="0"/>
-              <a:t>‹#›</a:t>
+              <a:t>‹Nº›</a:t>
             </a:fld>
             <a:endParaRPr lang="es-ES_tradnl"/>
           </a:p>
@@ -1854,7 +1855,7 @@
           <a:p>
             <a:fld id="{D4DD2C3B-69B8-EC46-B83B-0CDD57620492}" type="datetimeFigureOut">
               <a:rPr lang="es-ES_tradnl" smtClean="0"/>
-              <a:t>3/12/21</a:t>
+              <a:t>15/12/21</a:t>
             </a:fld>
             <a:endParaRPr lang="es-ES_tradnl"/>
           </a:p>
@@ -1908,7 +1909,7 @@
           <a:p>
             <a:fld id="{23350408-C710-E243-9179-00B0E72C8E03}" type="slidenum">
               <a:rPr lang="es-ES_tradnl" smtClean="0"/>
-              <a:t>‹#›</a:t>
+              <a:t>‹Nº›</a:t>
             </a:fld>
             <a:endParaRPr lang="es-ES_tradnl"/>
           </a:p>
@@ -2269,7 +2270,7 @@
           <a:p>
             <a:fld id="{D4DD2C3B-69B8-EC46-B83B-0CDD57620492}" type="datetimeFigureOut">
               <a:rPr lang="es-ES_tradnl" smtClean="0"/>
-              <a:t>3/12/21</a:t>
+              <a:t>15/12/21</a:t>
             </a:fld>
             <a:endParaRPr lang="es-ES_tradnl"/>
           </a:p>
@@ -2323,7 +2324,7 @@
           <a:p>
             <a:fld id="{23350408-C710-E243-9179-00B0E72C8E03}" type="slidenum">
               <a:rPr lang="es-ES_tradnl" smtClean="0"/>
-              <a:t>‹#›</a:t>
+              <a:t>‹Nº›</a:t>
             </a:fld>
             <a:endParaRPr lang="es-ES_tradnl"/>
           </a:p>
@@ -2411,7 +2412,7 @@
           <a:p>
             <a:fld id="{D4DD2C3B-69B8-EC46-B83B-0CDD57620492}" type="datetimeFigureOut">
               <a:rPr lang="es-ES_tradnl" smtClean="0"/>
-              <a:t>3/12/21</a:t>
+              <a:t>15/12/21</a:t>
             </a:fld>
             <a:endParaRPr lang="es-ES_tradnl"/>
           </a:p>
@@ -2465,7 +2466,7 @@
           <a:p>
             <a:fld id="{23350408-C710-E243-9179-00B0E72C8E03}" type="slidenum">
               <a:rPr lang="es-ES_tradnl" smtClean="0"/>
-              <a:t>‹#›</a:t>
+              <a:t>‹Nº›</a:t>
             </a:fld>
             <a:endParaRPr lang="es-ES_tradnl"/>
           </a:p>
@@ -2524,7 +2525,7 @@
           <a:p>
             <a:fld id="{D4DD2C3B-69B8-EC46-B83B-0CDD57620492}" type="datetimeFigureOut">
               <a:rPr lang="es-ES_tradnl" smtClean="0"/>
-              <a:t>3/12/21</a:t>
+              <a:t>15/12/21</a:t>
             </a:fld>
             <a:endParaRPr lang="es-ES_tradnl"/>
           </a:p>
@@ -2578,7 +2579,7 @@
           <a:p>
             <a:fld id="{23350408-C710-E243-9179-00B0E72C8E03}" type="slidenum">
               <a:rPr lang="es-ES_tradnl" smtClean="0"/>
-              <a:t>‹#›</a:t>
+              <a:t>‹Nº›</a:t>
             </a:fld>
             <a:endParaRPr lang="es-ES_tradnl"/>
           </a:p>
@@ -2837,7 +2838,7 @@
           <a:p>
             <a:fld id="{D4DD2C3B-69B8-EC46-B83B-0CDD57620492}" type="datetimeFigureOut">
               <a:rPr lang="es-ES_tradnl" smtClean="0"/>
-              <a:t>3/12/21</a:t>
+              <a:t>15/12/21</a:t>
             </a:fld>
             <a:endParaRPr lang="es-ES_tradnl"/>
           </a:p>
@@ -2891,7 +2892,7 @@
           <a:p>
             <a:fld id="{23350408-C710-E243-9179-00B0E72C8E03}" type="slidenum">
               <a:rPr lang="es-ES_tradnl" smtClean="0"/>
-              <a:t>‹#›</a:t>
+              <a:t>‹Nº›</a:t>
             </a:fld>
             <a:endParaRPr lang="es-ES_tradnl"/>
           </a:p>
@@ -3126,7 +3127,7 @@
           <a:p>
             <a:fld id="{D4DD2C3B-69B8-EC46-B83B-0CDD57620492}" type="datetimeFigureOut">
               <a:rPr lang="es-ES_tradnl" smtClean="0"/>
-              <a:t>3/12/21</a:t>
+              <a:t>15/12/21</a:t>
             </a:fld>
             <a:endParaRPr lang="es-ES_tradnl"/>
           </a:p>
@@ -3180,7 +3181,7 @@
           <a:p>
             <a:fld id="{23350408-C710-E243-9179-00B0E72C8E03}" type="slidenum">
               <a:rPr lang="es-ES_tradnl" smtClean="0"/>
-              <a:t>‹#›</a:t>
+              <a:t>‹Nº›</a:t>
             </a:fld>
             <a:endParaRPr lang="es-ES_tradnl"/>
           </a:p>
@@ -3369,7 +3370,7 @@
           <a:p>
             <a:fld id="{D4DD2C3B-69B8-EC46-B83B-0CDD57620492}" type="datetimeFigureOut">
               <a:rPr lang="es-ES_tradnl" smtClean="0"/>
-              <a:t>3/12/21</a:t>
+              <a:t>15/12/21</a:t>
             </a:fld>
             <a:endParaRPr lang="es-ES_tradnl"/>
           </a:p>
@@ -3459,7 +3460,7 @@
           <a:p>
             <a:fld id="{23350408-C710-E243-9179-00B0E72C8E03}" type="slidenum">
               <a:rPr lang="es-ES_tradnl" smtClean="0"/>
-              <a:t>‹#›</a:t>
+              <a:t>‹Nº›</a:t>
             </a:fld>
             <a:endParaRPr lang="es-ES_tradnl"/>
           </a:p>
@@ -3920,6 +3921,90 @@
       </p:grpSpPr>
       <p:sp>
         <p:nvSpPr>
+          <p:cNvPr id="2" name="Título 1">
+            <a:extLst>
+              <a:ext uri="{FF2B5EF4-FFF2-40B4-BE49-F238E27FC236}">
+                <a16:creationId xmlns:a16="http://schemas.microsoft.com/office/drawing/2014/main" id="{DE07C243-7940-204E-BE1D-882C735D507E}"/>
+              </a:ext>
+            </a:extLst>
+          </p:cNvPr>
+          <p:cNvSpPr>
+            <a:spLocks noGrp="1"/>
+          </p:cNvSpPr>
+          <p:nvPr>
+            <p:ph type="title"/>
+          </p:nvPr>
+        </p:nvSpPr>
+        <p:spPr/>
+        <p:txBody>
+          <a:bodyPr/>
+          <a:lstStyle/>
+          <a:p>
+            <a:endParaRPr lang="es-ES_tradnl"/>
+          </a:p>
+        </p:txBody>
+      </p:sp>
+      <p:pic>
+        <p:nvPicPr>
+          <p:cNvPr id="5" name="Marcador de contenido 4">
+            <a:extLst>
+              <a:ext uri="{FF2B5EF4-FFF2-40B4-BE49-F238E27FC236}">
+                <a16:creationId xmlns:a16="http://schemas.microsoft.com/office/drawing/2014/main" id="{11B22BC9-C0B0-6C45-B11C-390F39BCBFC3}"/>
+              </a:ext>
+            </a:extLst>
+          </p:cNvPr>
+          <p:cNvPicPr>
+            <a:picLocks noGrp="1" noChangeAspect="1"/>
+          </p:cNvPicPr>
+          <p:nvPr>
+            <p:ph idx="1"/>
+          </p:nvPr>
+        </p:nvPicPr>
+        <p:blipFill>
+          <a:blip r:embed="rId2"/>
+          <a:stretch>
+            <a:fillRect/>
+          </a:stretch>
+        </p:blipFill>
+        <p:spPr>
+          <a:xfrm>
+            <a:off x="1038755" y="1825625"/>
+            <a:ext cx="10114490" cy="4351338"/>
+          </a:xfrm>
+        </p:spPr>
+      </p:pic>
+    </p:spTree>
+    <p:extLst>
+      <p:ext uri="{BB962C8B-B14F-4D97-AF65-F5344CB8AC3E}">
+        <p14:creationId xmlns:p14="http://schemas.microsoft.com/office/powerpoint/2010/main" val="1497820009"/>
+      </p:ext>
+    </p:extLst>
+  </p:cSld>
+  <p:clrMapOvr>
+    <a:masterClrMapping/>
+  </p:clrMapOvr>
+</p:sld>
+</file>
+
+<file path=ppt/slides/slide3.xml><?xml version="1.0" encoding="utf-8"?>
+<p:sld xmlns:a="http://schemas.openxmlformats.org/drawingml/2006/main" xmlns:r="http://schemas.openxmlformats.org/officeDocument/2006/relationships" xmlns:p="http://schemas.openxmlformats.org/presentationml/2006/main">
+  <p:cSld>
+    <p:spTree>
+      <p:nvGrpSpPr>
+        <p:cNvPr id="1" name=""/>
+        <p:cNvGrpSpPr/>
+        <p:nvPr/>
+      </p:nvGrpSpPr>
+      <p:grpSpPr>
+        <a:xfrm>
+          <a:off x="0" y="0"/>
+          <a:ext cx="0" cy="0"/>
+          <a:chOff x="0" y="0"/>
+          <a:chExt cx="0" cy="0"/>
+        </a:xfrm>
+      </p:grpSpPr>
+      <p:sp>
+        <p:nvSpPr>
           <p:cNvPr id="5" name="Title 1">
             <a:extLst>
               <a:ext uri="{FF2B5EF4-FFF2-40B4-BE49-F238E27FC236}">
@@ -4246,7 +4331,7 @@
 </p:sld>
 </file>
 
-<file path=ppt/slides/slide3.xml><?xml version="1.0" encoding="utf-8"?>
+<file path=ppt/slides/slide4.xml><?xml version="1.0" encoding="utf-8"?>
 <p:sld xmlns:a="http://schemas.openxmlformats.org/drawingml/2006/main" xmlns:r="http://schemas.openxmlformats.org/officeDocument/2006/relationships" xmlns:p="http://schemas.openxmlformats.org/presentationml/2006/main">
   <p:cSld>
     <p:spTree>
